--- a/slides/8_advanced_control.pptx
+++ b/slides/8_advanced_control.pptx
@@ -487,7 +487,7 @@
           <a:p>
             <a:fld id="{506E0FD1-891F-4B1E-916D-E9B585160BB8}" type="datetimeFigureOut">
               <a:rPr lang="en-GB" smtClean="0"/>
-              <a:t>24/01/2026</a:t>
+              <a:t>29/01/2026</a:t>
             </a:fld>
             <a:endParaRPr lang="en-GB"/>
           </a:p>
@@ -904,7 +904,7 @@
           <a:p>
             <a:fld id="{D68C3F22-27B2-44E3-9C5F-D08126455F6F}" type="datetime1">
               <a:rPr lang="en-GB" smtClean="0"/>
-              <a:t>24/01/2026</a:t>
+              <a:t>29/01/2026</a:t>
             </a:fld>
             <a:endParaRPr lang="en-GB"/>
           </a:p>
@@ -1104,7 +1104,7 @@
           <a:p>
             <a:fld id="{1CD03846-7BF6-4FB6-A921-FF3379ADBD4C}" type="datetime1">
               <a:rPr lang="en-GB" smtClean="0"/>
-              <a:t>24/01/2026</a:t>
+              <a:t>29/01/2026</a:t>
             </a:fld>
             <a:endParaRPr lang="en-GB"/>
           </a:p>
@@ -1314,7 +1314,7 @@
           <a:p>
             <a:fld id="{99E1B91A-3FD0-4144-9C84-63E9688ED2FE}" type="datetime1">
               <a:rPr lang="en-GB" smtClean="0"/>
-              <a:t>24/01/2026</a:t>
+              <a:t>29/01/2026</a:t>
             </a:fld>
             <a:endParaRPr lang="en-GB"/>
           </a:p>
@@ -1514,7 +1514,7 @@
           <a:p>
             <a:fld id="{5295ED7B-FEAD-4734-819F-93EF4B0EA908}" type="datetime1">
               <a:rPr lang="en-GB" smtClean="0"/>
-              <a:t>24/01/2026</a:t>
+              <a:t>29/01/2026</a:t>
             </a:fld>
             <a:endParaRPr lang="en-GB"/>
           </a:p>
@@ -1790,7 +1790,7 @@
           <a:p>
             <a:fld id="{D2D5D4B4-C926-4B45-8815-1ED8911179A2}" type="datetime1">
               <a:rPr lang="en-GB" smtClean="0"/>
-              <a:t>24/01/2026</a:t>
+              <a:t>29/01/2026</a:t>
             </a:fld>
             <a:endParaRPr lang="en-GB"/>
           </a:p>
@@ -2058,7 +2058,7 @@
           <a:p>
             <a:fld id="{B4C5210A-0E37-4935-93AF-69F21A5F712F}" type="datetime1">
               <a:rPr lang="en-GB" smtClean="0"/>
-              <a:t>24/01/2026</a:t>
+              <a:t>29/01/2026</a:t>
             </a:fld>
             <a:endParaRPr lang="en-GB"/>
           </a:p>
@@ -2473,7 +2473,7 @@
           <a:p>
             <a:fld id="{3D3A6B2F-436C-4691-80E8-9C890E000E9D}" type="datetime1">
               <a:rPr lang="en-GB" smtClean="0"/>
-              <a:t>24/01/2026</a:t>
+              <a:t>29/01/2026</a:t>
             </a:fld>
             <a:endParaRPr lang="en-GB"/>
           </a:p>
@@ -2615,7 +2615,7 @@
           <a:p>
             <a:fld id="{84385F4C-D74B-496F-8D21-97E3549C783B}" type="datetime1">
               <a:rPr lang="en-GB" smtClean="0"/>
-              <a:t>24/01/2026</a:t>
+              <a:t>29/01/2026</a:t>
             </a:fld>
             <a:endParaRPr lang="en-GB"/>
           </a:p>
@@ -2728,7 +2728,7 @@
           <a:p>
             <a:fld id="{0CBDCB32-C241-4703-A832-4EB47BD54E83}" type="datetime1">
               <a:rPr lang="en-GB" smtClean="0"/>
-              <a:t>24/01/2026</a:t>
+              <a:t>29/01/2026</a:t>
             </a:fld>
             <a:endParaRPr lang="en-GB"/>
           </a:p>
@@ -3041,7 +3041,7 @@
           <a:p>
             <a:fld id="{85C150FF-BE95-4D25-A16A-E368A81CBF24}" type="datetime1">
               <a:rPr lang="en-GB" smtClean="0"/>
-              <a:t>24/01/2026</a:t>
+              <a:t>29/01/2026</a:t>
             </a:fld>
             <a:endParaRPr lang="en-GB"/>
           </a:p>
@@ -3330,7 +3330,7 @@
           <a:p>
             <a:fld id="{F3C5DB4B-B349-43C9-A424-BADA723AD9F1}" type="datetime1">
               <a:rPr lang="en-GB" smtClean="0"/>
-              <a:t>24/01/2026</a:t>
+              <a:t>29/01/2026</a:t>
             </a:fld>
             <a:endParaRPr lang="en-GB"/>
           </a:p>
@@ -3573,7 +3573,7 @@
           <a:p>
             <a:fld id="{12632426-0A0C-405F-A3D0-2D11AA44702A}" type="datetime1">
               <a:rPr lang="en-GB" smtClean="0"/>
-              <a:t>24/01/2026</a:t>
+              <a:t>29/01/2026</a:t>
             </a:fld>
             <a:endParaRPr lang="en-GB"/>
           </a:p>
@@ -4140,15 +4140,7 @@
             </a:pPr>
             <a:r>
               <a:rPr lang="de-DE" dirty="0"/>
-              <a:t>Systems, </a:t>
-            </a:r>
-            <a:r>
-              <a:rPr lang="de-DE" dirty="0" err="1"/>
-              <a:t>Processes</a:t>
-            </a:r>
-            <a:r>
-              <a:rPr lang="de-DE" dirty="0"/>
-              <a:t>, Models</a:t>
+              <a:t>Systems</a:t>
             </a:r>
           </a:p>
           <a:p>
